--- a/wiki/recastnavigation介绍.pptx
+++ b/wiki/recastnavigation介绍.pptx
@@ -12,6 +12,7 @@
     <p:sldId id="260" r:id="rId6"/>
     <p:sldId id="261" r:id="rId7"/>
     <p:sldId id="262" r:id="rId8"/>
+    <p:sldId id="263" r:id="rId9"/>
   </p:sldIdLst>
   <p:sldSz cx="9144000" cy="6858000" type="screen4x3"/>
   <p:notesSz cx="6858000" cy="9144000"/>
@@ -112,7 +113,7 @@
   </p:defaultTextStyle>
   <p:extLst>
     <p:ext uri="{EFAFB233-063F-42B5-8137-9DF3F51BA10A}">
-      <p15:sldGuideLst xmlns:p15="http://schemas.microsoft.com/office/powerpoint/2012/main" xmlns="">
+      <p15:sldGuideLst xmlns="" xmlns:p15="http://schemas.microsoft.com/office/powerpoint/2012/main">
         <p15:guide id="1" orient="horz" pos="2160">
           <p15:clr>
             <a:srgbClr val="A4A3A4"/>
@@ -3290,11 +3291,7 @@
             </a:pPr>
             <a:r>
               <a:rPr lang="en-US" altLang="zh-CN" sz="2000" dirty="0"/>
-              <a:t> </a:t>
-            </a:r>
-            <a:r>
-              <a:rPr lang="en-US" altLang="zh-CN" sz="2000" dirty="0"/>
-              <a:t>     </a:t>
+              <a:t>      </a:t>
             </a:r>
             <a:r>
               <a:rPr lang="en-US" altLang="zh-CN" sz="2000" dirty="0" smtClean="0"/>
@@ -3467,11 +3464,7 @@
             </a:r>
             <a:r>
               <a:rPr lang="zh-CN" altLang="en-US" sz="2000" dirty="0" smtClean="0"/>
-              <a:t>使用</a:t>
-            </a:r>
-            <a:r>
-              <a:rPr lang="zh-CN" altLang="en-US" sz="2000" dirty="0" smtClean="0"/>
-              <a:t>网格的概念将</a:t>
+              <a:t>使用网格的概念将</a:t>
             </a:r>
             <a:r>
               <a:rPr lang="en-US" altLang="zh-CN" sz="2000" dirty="0"/>
@@ -3699,23 +3692,15 @@
             </a:pPr>
             <a:r>
               <a:rPr lang="zh-CN" altLang="en-US" sz="2000" dirty="0"/>
-              <a:t> </a:t>
+              <a:t>      </a:t>
+            </a:r>
+            <a:r>
+              <a:rPr lang="en-US" altLang="zh-CN" sz="2000" dirty="0"/>
+              <a:t>- </a:t>
             </a:r>
             <a:r>
               <a:rPr lang="zh-CN" altLang="en-US" sz="2000" dirty="0"/>
-              <a:t>     </a:t>
-            </a:r>
-            <a:r>
-              <a:rPr lang="en-US" altLang="zh-CN" sz="2000" dirty="0"/>
-              <a:t>- </a:t>
-            </a:r>
-            <a:r>
-              <a:rPr lang="zh-CN" altLang="en-US" sz="2000" dirty="0"/>
-              <a:t>场景</a:t>
-            </a:r>
-            <a:r>
-              <a:rPr lang="zh-CN" altLang="en-US" sz="2000" dirty="0"/>
-              <a:t>模型体素化（</a:t>
+              <a:t>场景模型体素化（</a:t>
             </a:r>
             <a:r>
               <a:rPr lang="en-US" altLang="zh-CN" sz="2000" dirty="0" err="1"/>
@@ -3723,33 +3708,21 @@
             </a:r>
             <a:r>
               <a:rPr lang="zh-CN" altLang="en-US" sz="2000" dirty="0"/>
-              <a:t>）</a:t>
+              <a:t>）。</a:t>
+            </a:r>
+            <a:endParaRPr lang="en-US" altLang="zh-CN" sz="2000" dirty="0"/>
+          </a:p>
+          <a:p>
+            <a:pPr marL="0" indent="0">
+              <a:buNone/>
+            </a:pPr>
+            <a:r>
+              <a:rPr lang="en-US" altLang="zh-CN" sz="2000" dirty="0"/>
+              <a:t>      - </a:t>
             </a:r>
             <a:r>
               <a:rPr lang="zh-CN" altLang="en-US" sz="2000" dirty="0"/>
-              <a:t>。</a:t>
-            </a:r>
-            <a:endParaRPr lang="en-US" altLang="zh-CN" sz="2000" dirty="0"/>
-          </a:p>
-          <a:p>
-            <a:pPr marL="0" indent="0">
-              <a:buNone/>
-            </a:pPr>
-            <a:r>
-              <a:rPr lang="en-US" altLang="zh-CN" sz="2000" dirty="0"/>
-              <a:t> </a:t>
-            </a:r>
-            <a:r>
-              <a:rPr lang="en-US" altLang="zh-CN" sz="2000" dirty="0"/>
-              <a:t>     - </a:t>
-            </a:r>
-            <a:r>
-              <a:rPr lang="zh-CN" altLang="en-US" sz="2000" dirty="0"/>
-              <a:t>过滤</a:t>
-            </a:r>
-            <a:r>
-              <a:rPr lang="zh-CN" altLang="en-US" sz="2000" dirty="0"/>
-              <a:t>出可行走面（</a:t>
+              <a:t>过滤出可行走面（</a:t>
             </a:r>
             <a:r>
               <a:rPr lang="en-US" altLang="zh-CN" sz="2000" dirty="0"/>
@@ -3792,11 +3765,7 @@
             </a:pPr>
             <a:r>
               <a:rPr lang="zh-CN" altLang="en-US" sz="2000" dirty="0"/>
-              <a:t> </a:t>
-            </a:r>
-            <a:r>
-              <a:rPr lang="zh-CN" altLang="en-US" sz="2000" dirty="0"/>
-              <a:t>     </a:t>
+              <a:t>      </a:t>
             </a:r>
             <a:r>
               <a:rPr lang="en-US" altLang="zh-CN" sz="2000" dirty="0"/>
@@ -3812,11 +3781,7 @@
             </a:r>
             <a:r>
               <a:rPr lang="zh-CN" altLang="en-US" sz="2000" dirty="0"/>
-              <a:t>（边缘</a:t>
-            </a:r>
-            <a:r>
-              <a:rPr lang="zh-CN" altLang="en-US" sz="2000" dirty="0"/>
-              <a:t>）</a:t>
+              <a:t>（边缘）</a:t>
             </a:r>
             <a:endParaRPr lang="en-US" altLang="zh-CN" sz="2000" dirty="0"/>
           </a:p>
@@ -3826,11 +3791,7 @@
             </a:pPr>
             <a:r>
               <a:rPr lang="en-US" altLang="zh-CN" sz="2000" dirty="0"/>
-              <a:t> </a:t>
-            </a:r>
-            <a:r>
-              <a:rPr lang="en-US" altLang="zh-CN" sz="2000" dirty="0"/>
-              <a:t>     - </a:t>
+              <a:t>      - </a:t>
             </a:r>
             <a:r>
               <a:rPr lang="zh-CN" altLang="en-US" sz="2000" dirty="0"/>
@@ -3859,11 +3820,7 @@
             </a:r>
             <a:r>
               <a:rPr lang="en-US" altLang="zh-CN" sz="2000" dirty="0"/>
-              <a:t>Detailed </a:t>
-            </a:r>
-            <a:r>
-              <a:rPr lang="en-US" altLang="zh-CN" sz="2000" dirty="0"/>
-              <a:t>Mesh</a:t>
+              <a:t>Detailed Mesh</a:t>
             </a:r>
           </a:p>
           <a:p>
@@ -3879,11 +3836,7 @@
             </a:pPr>
             <a:r>
               <a:rPr lang="en-US" altLang="zh-CN" sz="2000" dirty="0"/>
-              <a:t> </a:t>
-            </a:r>
-            <a:r>
-              <a:rPr lang="en-US" altLang="zh-CN" sz="2000" dirty="0"/>
-              <a:t>   </a:t>
+              <a:t>    </a:t>
             </a:r>
             <a:r>
               <a:rPr lang="en-US" altLang="zh-CN" sz="2000" dirty="0" smtClean="0"/>
@@ -4997,11 +4950,7 @@
             </a:pPr>
             <a:r>
               <a:rPr lang="en-US" altLang="zh-CN" sz="2000" dirty="0"/>
-              <a:t> </a:t>
-            </a:r>
-            <a:r>
-              <a:rPr lang="en-US" altLang="zh-CN" sz="2000" dirty="0"/>
-              <a:t>   </a:t>
+              <a:t>    </a:t>
             </a:r>
             <a:r>
               <a:rPr lang="en-US" altLang="zh-CN" sz="2000" dirty="0" smtClean="0"/>
@@ -5051,7 +5000,15 @@
             </a:r>
             <a:r>
               <a:rPr lang="zh-CN" altLang="en-US" sz="2000" dirty="0" smtClean="0"/>
-              <a:t>做射线检测</a:t>
+              <a:t>做射线</a:t>
+            </a:r>
+            <a:r>
+              <a:rPr lang="zh-CN" altLang="en-US" sz="2000" dirty="0" smtClean="0"/>
+              <a:t>检测</a:t>
+            </a:r>
+            <a:r>
+              <a:rPr lang="zh-CN" altLang="en-US" sz="2000" dirty="0" smtClean="0"/>
+              <a:t>（需要的话）</a:t>
             </a:r>
             <a:endParaRPr lang="en-US" altLang="zh-CN" sz="2000" dirty="0" smtClean="0"/>
           </a:p>
@@ -5090,6 +5047,316 @@
     <p:extLst>
       <p:ext uri="{BB962C8B-B14F-4D97-AF65-F5344CB8AC3E}">
         <p14:creationId xmlns:p14="http://schemas.microsoft.com/office/powerpoint/2010/main" val="750743299"/>
+      </p:ext>
+    </p:extLst>
+  </p:cSld>
+  <p:clrMapOvr>
+    <a:masterClrMapping/>
+  </p:clrMapOvr>
+</p:sld>
+</file>
+
+<file path=ppt/slides/slide8.xml><?xml version="1.0" encoding="utf-8"?>
+<p:sld xmlns:a="http://schemas.openxmlformats.org/drawingml/2006/main" xmlns:r="http://schemas.openxmlformats.org/officeDocument/2006/relationships" xmlns:p="http://schemas.openxmlformats.org/presentationml/2006/main">
+  <p:cSld>
+    <p:spTree>
+      <p:nvGrpSpPr>
+        <p:cNvPr id="1" name=""/>
+        <p:cNvGrpSpPr/>
+        <p:nvPr/>
+      </p:nvGrpSpPr>
+      <p:grpSpPr>
+        <a:xfrm>
+          <a:off x="0" y="0"/>
+          <a:ext cx="0" cy="0"/>
+          <a:chOff x="0" y="0"/>
+          <a:chExt cx="0" cy="0"/>
+        </a:xfrm>
+      </p:grpSpPr>
+      <p:sp>
+        <p:nvSpPr>
+          <p:cNvPr id="2" name="标题 1"/>
+          <p:cNvSpPr>
+            <a:spLocks noGrp="1"/>
+          </p:cNvSpPr>
+          <p:nvPr>
+            <p:ph type="title"/>
+          </p:nvPr>
+        </p:nvSpPr>
+        <p:spPr/>
+        <p:txBody>
+          <a:bodyPr/>
+          <a:lstStyle/>
+          <a:p>
+            <a:r>
+              <a:rPr lang="zh-CN" altLang="en-US" dirty="0" smtClean="0"/>
+              <a:t>需要考虑的问题</a:t>
+            </a:r>
+            <a:endParaRPr lang="zh-CN" altLang="en-US" dirty="0"/>
+          </a:p>
+        </p:txBody>
+      </p:sp>
+      <p:sp>
+        <p:nvSpPr>
+          <p:cNvPr id="3" name="内容占位符 2"/>
+          <p:cNvSpPr>
+            <a:spLocks noGrp="1"/>
+          </p:cNvSpPr>
+          <p:nvPr>
+            <p:ph idx="1"/>
+          </p:nvPr>
+        </p:nvSpPr>
+        <p:spPr/>
+        <p:txBody>
+          <a:bodyPr/>
+          <a:lstStyle/>
+          <a:p>
+            <a:r>
+              <a:rPr lang="zh-CN" altLang="en-US" dirty="0" smtClean="0"/>
+              <a:t>内存方面</a:t>
+            </a:r>
+            <a:endParaRPr lang="en-US" altLang="zh-CN" dirty="0" smtClean="0"/>
+          </a:p>
+          <a:p>
+            <a:pPr marL="0" indent="0">
+              <a:buNone/>
+            </a:pPr>
+            <a:r>
+              <a:rPr lang="en-US" altLang="zh-CN" sz="1900" dirty="0" smtClean="0"/>
+              <a:t>      - </a:t>
+            </a:r>
+            <a:r>
+              <a:rPr lang="en-US" altLang="zh-CN" sz="1900" dirty="0" err="1" smtClean="0"/>
+              <a:t>navmesh</a:t>
+            </a:r>
+            <a:r>
+              <a:rPr lang="zh-CN" altLang="en-US" sz="1900" dirty="0" smtClean="0"/>
+              <a:t>方式极大的压缩了内存占用量</a:t>
+            </a:r>
+            <a:endParaRPr lang="en-US" altLang="zh-CN" sz="1900" dirty="0" smtClean="0"/>
+          </a:p>
+          <a:p>
+            <a:pPr marL="0" indent="0">
+              <a:buNone/>
+            </a:pPr>
+            <a:r>
+              <a:rPr lang="en-US" altLang="zh-CN" sz="1900" dirty="0"/>
+              <a:t> </a:t>
+            </a:r>
+            <a:r>
+              <a:rPr lang="en-US" altLang="zh-CN" sz="1900" dirty="0" smtClean="0"/>
+              <a:t>     - </a:t>
+            </a:r>
+            <a:r>
+              <a:rPr lang="zh-CN" altLang="en-US" sz="1900" dirty="0" smtClean="0"/>
+              <a:t>不改变地形的应用，只需要</a:t>
+            </a:r>
+            <a:r>
+              <a:rPr lang="en-US" altLang="zh-CN" sz="1900" dirty="0" smtClean="0"/>
+              <a:t>1</a:t>
+            </a:r>
+            <a:r>
+              <a:rPr lang="zh-CN" altLang="en-US" sz="1900" dirty="0" smtClean="0"/>
+              <a:t>份场景数据</a:t>
+            </a:r>
+            <a:endParaRPr lang="en-US" altLang="zh-CN" sz="1900" dirty="0" smtClean="0"/>
+          </a:p>
+          <a:p>
+            <a:pPr marL="0" indent="0">
+              <a:buNone/>
+            </a:pPr>
+            <a:r>
+              <a:rPr lang="en-US" altLang="zh-CN" sz="1900" dirty="0"/>
+              <a:t> </a:t>
+            </a:r>
+            <a:r>
+              <a:rPr lang="en-US" altLang="zh-CN" sz="1900" dirty="0" smtClean="0"/>
+              <a:t>     - </a:t>
+            </a:r>
+            <a:r>
+              <a:rPr lang="zh-CN" altLang="en-US" sz="1900" dirty="0" smtClean="0"/>
+              <a:t>虽然没有实际项目数据做参考，但可以断言，内存上不会有什么问题。</a:t>
+            </a:r>
+            <a:endParaRPr lang="en-US" altLang="zh-CN" sz="1900" dirty="0"/>
+          </a:p>
+          <a:p>
+            <a:r>
+              <a:rPr lang="en-US" altLang="zh-CN" dirty="0" smtClean="0"/>
+              <a:t>CPU</a:t>
+            </a:r>
+            <a:r>
+              <a:rPr lang="zh-CN" altLang="en-US" dirty="0" smtClean="0"/>
+              <a:t>方面</a:t>
+            </a:r>
+            <a:endParaRPr lang="en-US" altLang="zh-CN" dirty="0"/>
+          </a:p>
+          <a:p>
+            <a:pPr marL="0" indent="0">
+              <a:buNone/>
+            </a:pPr>
+            <a:r>
+              <a:rPr lang="en-US" altLang="zh-CN" sz="1900" dirty="0" smtClean="0"/>
+              <a:t>       </a:t>
+            </a:r>
+            <a:r>
+              <a:rPr lang="en-US" altLang="zh-CN" sz="1900" dirty="0"/>
+              <a:t>- </a:t>
+            </a:r>
+            <a:r>
+              <a:rPr lang="zh-CN" altLang="en-US" sz="1900" dirty="0"/>
+              <a:t>由于游戏对象移动时</a:t>
+            </a:r>
+            <a:r>
+              <a:rPr lang="zh-CN" altLang="en-US" sz="1900" dirty="0" smtClean="0"/>
+              <a:t>，大多数</a:t>
+            </a:r>
+            <a:r>
+              <a:rPr lang="zh-CN" altLang="en-US" sz="1900" dirty="0"/>
+              <a:t>在同一个</a:t>
+            </a:r>
+            <a:r>
+              <a:rPr lang="en-US" altLang="zh-CN" sz="1900" dirty="0"/>
+              <a:t>`</a:t>
+            </a:r>
+            <a:r>
+              <a:rPr lang="zh-CN" altLang="en-US" sz="1900" dirty="0"/>
+              <a:t>凸多边形内</a:t>
+            </a:r>
+            <a:r>
+              <a:rPr lang="en-US" altLang="zh-CN" sz="1900" dirty="0"/>
+              <a:t>`</a:t>
+            </a:r>
+            <a:r>
+              <a:rPr lang="zh-CN" altLang="en-US" sz="1900" dirty="0"/>
+              <a:t>以及少数的跨域</a:t>
+            </a:r>
+            <a:r>
+              <a:rPr lang="en-US" altLang="zh-CN" sz="1900" dirty="0"/>
+              <a:t>1</a:t>
+            </a:r>
+            <a:r>
+              <a:rPr lang="zh-CN" altLang="en-US" sz="1900" dirty="0"/>
+              <a:t>个</a:t>
+            </a:r>
+            <a:r>
+              <a:rPr lang="en-US" altLang="zh-CN" sz="1900" dirty="0"/>
+              <a:t>`</a:t>
+            </a:r>
+            <a:r>
+              <a:rPr lang="zh-CN" altLang="en-US" sz="1900" dirty="0"/>
+              <a:t>凸多边形内</a:t>
+            </a:r>
+            <a:r>
+              <a:rPr lang="en-US" altLang="zh-CN" sz="1900" dirty="0"/>
+              <a:t>`</a:t>
+            </a:r>
+            <a:r>
+              <a:rPr lang="zh-CN" altLang="en-US" sz="1900" dirty="0"/>
+              <a:t>，因此计算量不会很大</a:t>
+            </a:r>
+            <a:endParaRPr lang="en-US" altLang="zh-CN" sz="1900" dirty="0"/>
+          </a:p>
+          <a:p>
+            <a:pPr marL="0" indent="0">
+              <a:buNone/>
+            </a:pPr>
+            <a:r>
+              <a:rPr lang="en-US" altLang="zh-CN" sz="1900" dirty="0"/>
+              <a:t>       - </a:t>
+            </a:r>
+            <a:r>
+              <a:rPr lang="zh-CN" altLang="en-US" sz="1900" dirty="0"/>
+              <a:t>实际封装库压测后，在做说明</a:t>
+            </a:r>
+            <a:endParaRPr lang="en-US" altLang="zh-CN" sz="1900" dirty="0" smtClean="0"/>
+          </a:p>
+          <a:p>
+            <a:r>
+              <a:rPr lang="en-US" altLang="zh-CN" dirty="0" smtClean="0"/>
+              <a:t>GO</a:t>
+            </a:r>
+            <a:r>
+              <a:rPr lang="zh-CN" altLang="en-US" dirty="0" smtClean="0"/>
+              <a:t>调用</a:t>
+            </a:r>
+            <a:r>
+              <a:rPr lang="en-US" altLang="zh-CN" dirty="0" smtClean="0"/>
+              <a:t>C++ DLL</a:t>
+            </a:r>
+          </a:p>
+          <a:p>
+            <a:pPr marL="0" indent="0">
+              <a:buNone/>
+            </a:pPr>
+            <a:r>
+              <a:rPr lang="en-US" altLang="zh-CN" sz="1900" dirty="0"/>
+              <a:t> </a:t>
+            </a:r>
+            <a:r>
+              <a:rPr lang="en-US" altLang="zh-CN" sz="1900" dirty="0"/>
+              <a:t>   </a:t>
+            </a:r>
+            <a:r>
+              <a:rPr lang="en-US" altLang="zh-CN" sz="1900" dirty="0" smtClean="0"/>
+              <a:t>   - </a:t>
+            </a:r>
+            <a:r>
+              <a:rPr lang="zh-CN" altLang="en-US" sz="1900" dirty="0" smtClean="0"/>
+              <a:t>先使用</a:t>
+            </a:r>
+            <a:r>
+              <a:rPr lang="en-US" altLang="zh-CN" sz="1900" dirty="0" smtClean="0"/>
+              <a:t>Go</a:t>
+            </a:r>
+            <a:r>
+              <a:rPr lang="zh-CN" altLang="en-US" sz="1900" dirty="0" smtClean="0"/>
+              <a:t>调用封装好的</a:t>
+            </a:r>
+            <a:r>
+              <a:rPr lang="en-US" altLang="zh-CN" sz="1900" dirty="0" smtClean="0"/>
+              <a:t>C++ DLL</a:t>
+            </a:r>
+          </a:p>
+          <a:p>
+            <a:pPr marL="0" indent="0">
+              <a:buNone/>
+            </a:pPr>
+            <a:r>
+              <a:rPr lang="en-US" altLang="zh-CN" sz="1900" dirty="0"/>
+              <a:t> </a:t>
+            </a:r>
+            <a:r>
+              <a:rPr lang="en-US" altLang="zh-CN" sz="1900" dirty="0" smtClean="0"/>
+              <a:t>      - </a:t>
+            </a:r>
+            <a:r>
+              <a:rPr lang="zh-CN" altLang="en-US" sz="1900" dirty="0" smtClean="0"/>
+              <a:t>一切可行后，翻译 </a:t>
+            </a:r>
+            <a:r>
+              <a:rPr lang="en-US" altLang="zh-CN" sz="1900" dirty="0" smtClean="0"/>
+              <a:t>Detour </a:t>
+            </a:r>
+            <a:r>
+              <a:rPr lang="zh-CN" altLang="en-US" sz="1900" dirty="0" smtClean="0"/>
+              <a:t>库做</a:t>
+            </a:r>
+            <a:r>
+              <a:rPr lang="en-US" altLang="zh-CN" sz="1900" dirty="0" smtClean="0"/>
+              <a:t>GO</a:t>
+            </a:r>
+            <a:r>
+              <a:rPr lang="zh-CN" altLang="en-US" sz="1900" dirty="0" smtClean="0"/>
+              <a:t>版本。使其效率最佳。</a:t>
+            </a:r>
+            <a:endParaRPr lang="en-US" altLang="zh-CN" sz="1900" dirty="0"/>
+          </a:p>
+        </p:txBody>
+      </p:sp>
+    </p:spTree>
+    <p:extLst>
+      <p:ext uri="{BB962C8B-B14F-4D97-AF65-F5344CB8AC3E}">
+        <p14:creationId xmlns:p14="http://schemas.microsoft.com/office/powerpoint/2010/main" val="2699860858"/>
       </p:ext>
     </p:extLst>
   </p:cSld>
